--- a/node-starter/node-starter.pptx
+++ b/node-starter/node-starter.pptx
@@ -531,7 +531,8 @@
           <a:p>
             <a:r>
               <a:rPr lang="en-US" dirty="0"/>
-              <a:t/>
+              <a:t>Global CSS
+Scoped CSS</a:t>
             </a:r>
             <a:endParaRPr lang="en-US" dirty="0"/>
           </a:p>
